--- a/cheat_sheet_DE.pptx
+++ b/cheat_sheet_DE.pptx
@@ -200,7 +200,7 @@
           <a:p>
             <a:fld id="{C7D59642-6866-9F43-94BF-BB911DC3BFE4}" type="datetimeFigureOut">
               <a:rPr lang="de-DE" smtClean="0"/>
-              <a:t>30.05.24</a:t>
+              <a:t>03.04.25</a:t>
             </a:fld>
             <a:endParaRPr lang="de-DE"/>
           </a:p>
@@ -687,7 +687,7 @@
           <a:p>
             <a:fld id="{C764DE79-268F-4C1A-8933-263129D2AF90}" type="datetimeFigureOut">
               <a:rPr lang="en-US" dirty="0"/>
-              <a:t>5/30/24</a:t>
+              <a:t>4/3/25</a:t>
             </a:fld>
             <a:endParaRPr lang="en-US" dirty="0"/>
           </a:p>
@@ -857,7 +857,7 @@
           <a:p>
             <a:fld id="{C764DE79-268F-4C1A-8933-263129D2AF90}" type="datetimeFigureOut">
               <a:rPr lang="en-US" dirty="0"/>
-              <a:t>5/30/24</a:t>
+              <a:t>4/3/25</a:t>
             </a:fld>
             <a:endParaRPr lang="en-US" dirty="0"/>
           </a:p>
@@ -1037,7 +1037,7 @@
           <a:p>
             <a:fld id="{C764DE79-268F-4C1A-8933-263129D2AF90}" type="datetimeFigureOut">
               <a:rPr lang="en-US" dirty="0"/>
-              <a:t>5/30/24</a:t>
+              <a:t>4/3/25</a:t>
             </a:fld>
             <a:endParaRPr lang="en-US" dirty="0"/>
           </a:p>
@@ -1207,7 +1207,7 @@
           <a:p>
             <a:fld id="{C764DE79-268F-4C1A-8933-263129D2AF90}" type="datetimeFigureOut">
               <a:rPr lang="en-US" dirty="0"/>
-              <a:t>5/30/24</a:t>
+              <a:t>4/3/25</a:t>
             </a:fld>
             <a:endParaRPr lang="en-US" dirty="0"/>
           </a:p>
@@ -1453,7 +1453,7 @@
           <a:p>
             <a:fld id="{C764DE79-268F-4C1A-8933-263129D2AF90}" type="datetimeFigureOut">
               <a:rPr lang="en-US" dirty="0"/>
-              <a:t>5/30/24</a:t>
+              <a:t>4/3/25</a:t>
             </a:fld>
             <a:endParaRPr lang="en-US" dirty="0"/>
           </a:p>
@@ -1685,7 +1685,7 @@
           <a:p>
             <a:fld id="{C764DE79-268F-4C1A-8933-263129D2AF90}" type="datetimeFigureOut">
               <a:rPr lang="en-US" dirty="0"/>
-              <a:t>5/30/24</a:t>
+              <a:t>4/3/25</a:t>
             </a:fld>
             <a:endParaRPr lang="en-US" dirty="0"/>
           </a:p>
@@ -2052,7 +2052,7 @@
           <a:p>
             <a:fld id="{C764DE79-268F-4C1A-8933-263129D2AF90}" type="datetimeFigureOut">
               <a:rPr lang="en-US" dirty="0"/>
-              <a:t>5/30/24</a:t>
+              <a:t>4/3/25</a:t>
             </a:fld>
             <a:endParaRPr lang="en-US" dirty="0"/>
           </a:p>
@@ -2170,7 +2170,7 @@
           <a:p>
             <a:fld id="{C764DE79-268F-4C1A-8933-263129D2AF90}" type="datetimeFigureOut">
               <a:rPr lang="en-US" dirty="0"/>
-              <a:t>5/30/24</a:t>
+              <a:t>4/3/25</a:t>
             </a:fld>
             <a:endParaRPr lang="en-US" dirty="0"/>
           </a:p>
@@ -2265,7 +2265,7 @@
           <a:p>
             <a:fld id="{C764DE79-268F-4C1A-8933-263129D2AF90}" type="datetimeFigureOut">
               <a:rPr lang="en-US" dirty="0"/>
-              <a:t>5/30/24</a:t>
+              <a:t>4/3/25</a:t>
             </a:fld>
             <a:endParaRPr lang="en-US" dirty="0"/>
           </a:p>
@@ -2542,7 +2542,7 @@
           <a:p>
             <a:fld id="{C764DE79-268F-4C1A-8933-263129D2AF90}" type="datetimeFigureOut">
               <a:rPr lang="en-US" dirty="0"/>
-              <a:t>5/30/24</a:t>
+              <a:t>4/3/25</a:t>
             </a:fld>
             <a:endParaRPr lang="en-US" dirty="0"/>
           </a:p>
@@ -2799,7 +2799,7 @@
           <a:p>
             <a:fld id="{C764DE79-268F-4C1A-8933-263129D2AF90}" type="datetimeFigureOut">
               <a:rPr lang="en-US" dirty="0"/>
-              <a:t>5/30/24</a:t>
+              <a:t>4/3/25</a:t>
             </a:fld>
             <a:endParaRPr lang="en-US" dirty="0"/>
           </a:p>
@@ -3012,7 +3012,7 @@
           <a:p>
             <a:fld id="{C764DE79-268F-4C1A-8933-263129D2AF90}" type="datetimeFigureOut">
               <a:rPr lang="en-US" dirty="0"/>
-              <a:t>5/30/24</a:t>
+              <a:t>4/3/25</a:t>
             </a:fld>
             <a:endParaRPr lang="en-US" dirty="0"/>
           </a:p>
@@ -7014,7 +7014,7 @@
                 <a:ea typeface="MesloLGSDZ Nerd Font" panose="020B0609030804020204" pitchFamily="49" charset="0"/>
                 <a:cs typeface="MesloLGSDZ Nerd Font" panose="020B0609030804020204" pitchFamily="49" charset="0"/>
               </a:rPr>
-              <a:t>= STAT.DESKRIPTIV.FAKTORSTUFEN(Variable)</a:t>
+              <a:t>= STAT.DESKRIPTIV.NOMINAL(Variable)</a:t>
             </a:r>
           </a:p>
         </p:txBody>
